--- a/기말 프로젝트 발표.pptx
+++ b/기말 프로젝트 발표.pptx
@@ -10,14 +10,16 @@
     <p:sldId id="267" r:id="rId4"/>
     <p:sldId id="258" r:id="rId5"/>
     <p:sldId id="268" r:id="rId6"/>
-    <p:sldId id="259" r:id="rId7"/>
-    <p:sldId id="269" r:id="rId8"/>
-    <p:sldId id="260" r:id="rId9"/>
-    <p:sldId id="263" r:id="rId10"/>
-    <p:sldId id="264" r:id="rId11"/>
-    <p:sldId id="265" r:id="rId12"/>
-    <p:sldId id="261" r:id="rId13"/>
-    <p:sldId id="262" r:id="rId14"/>
+    <p:sldId id="270" r:id="rId7"/>
+    <p:sldId id="271" r:id="rId8"/>
+    <p:sldId id="259" r:id="rId9"/>
+    <p:sldId id="269" r:id="rId10"/>
+    <p:sldId id="260" r:id="rId11"/>
+    <p:sldId id="263" r:id="rId12"/>
+    <p:sldId id="264" r:id="rId13"/>
+    <p:sldId id="265" r:id="rId14"/>
+    <p:sldId id="261" r:id="rId15"/>
+    <p:sldId id="262" r:id="rId16"/>
   </p:sldIdLst>
   <p:sldSz cx="12192000" cy="6858000"/>
   <p:notesSz cx="6858000" cy="9144000"/>
@@ -116,6 +118,11 @@
       </a:defRPr>
     </a:lvl9pPr>
   </p:defaultTextStyle>
+  <p:extLst>
+    <p:ext uri="{EFAFB233-063F-42B5-8137-9DF3F51BA10A}">
+      <p15:sldGuideLst xmlns:p15="http://schemas.microsoft.com/office/powerpoint/2012/main"/>
+    </p:ext>
+  </p:extLst>
 </p:presentation>
 </file>
 
@@ -6279,7 +6286,7 @@
           <a:p>
             <a:fld id="{D80F3484-5328-47EB-98A9-5722E7FF2A99}" type="datetimeFigureOut">
               <a:rPr lang="ko-KR" altLang="en-US" smtClean="0"/>
-              <a:t>2022-11-15</a:t>
+              <a:t>2022. 11. 15.</a:t>
             </a:fld>
             <a:endParaRPr lang="ko-KR" altLang="en-US"/>
           </a:p>
@@ -7367,7 +7374,7 @@
           <a:p>
             <a:fld id="{D80F3484-5328-47EB-98A9-5722E7FF2A99}" type="datetimeFigureOut">
               <a:rPr lang="ko-KR" altLang="en-US" smtClean="0"/>
-              <a:t>2022-11-15</a:t>
+              <a:t>2022. 11. 15.</a:t>
             </a:fld>
             <a:endParaRPr lang="ko-KR" altLang="en-US"/>
           </a:p>
@@ -8347,7 +8354,7 @@
           <a:p>
             <a:fld id="{D80F3484-5328-47EB-98A9-5722E7FF2A99}" type="datetimeFigureOut">
               <a:rPr lang="ko-KR" altLang="en-US" smtClean="0"/>
-              <a:t>2022-11-15</a:t>
+              <a:t>2022. 11. 15.</a:t>
             </a:fld>
             <a:endParaRPr lang="ko-KR" altLang="en-US"/>
           </a:p>
@@ -9481,7 +9488,7 @@
           <a:p>
             <a:fld id="{D80F3484-5328-47EB-98A9-5722E7FF2A99}" type="datetimeFigureOut">
               <a:rPr lang="ko-KR" altLang="en-US" smtClean="0"/>
-              <a:t>2022-11-15</a:t>
+              <a:t>2022. 11. 15.</a:t>
             </a:fld>
             <a:endParaRPr lang="ko-KR" altLang="en-US"/>
           </a:p>
@@ -10514,7 +10521,7 @@
           <a:p>
             <a:fld id="{D80F3484-5328-47EB-98A9-5722E7FF2A99}" type="datetimeFigureOut">
               <a:rPr lang="ko-KR" altLang="en-US" smtClean="0"/>
-              <a:t>2022-11-15</a:t>
+              <a:t>2022. 11. 15.</a:t>
             </a:fld>
             <a:endParaRPr lang="ko-KR" altLang="en-US"/>
           </a:p>
@@ -11174,7 +11181,7 @@
           <a:p>
             <a:fld id="{D80F3484-5328-47EB-98A9-5722E7FF2A99}" type="datetimeFigureOut">
               <a:rPr lang="ko-KR" altLang="en-US" smtClean="0"/>
-              <a:t>2022-11-15</a:t>
+              <a:t>2022. 11. 15.</a:t>
             </a:fld>
             <a:endParaRPr lang="ko-KR" altLang="en-US"/>
           </a:p>
@@ -12035,7 +12042,7 @@
           <a:p>
             <a:fld id="{D80F3484-5328-47EB-98A9-5722E7FF2A99}" type="datetimeFigureOut">
               <a:rPr lang="ko-KR" altLang="en-US" smtClean="0"/>
-              <a:t>2022-11-15</a:t>
+              <a:t>2022. 11. 15.</a:t>
             </a:fld>
             <a:endParaRPr lang="ko-KR" altLang="en-US"/>
           </a:p>
@@ -12225,7 +12232,7 @@
           <a:p>
             <a:fld id="{D80F3484-5328-47EB-98A9-5722E7FF2A99}" type="datetimeFigureOut">
               <a:rPr lang="ko-KR" altLang="en-US" smtClean="0"/>
-              <a:t>2022-11-15</a:t>
+              <a:t>2022. 11. 15.</a:t>
             </a:fld>
             <a:endParaRPr lang="ko-KR" altLang="en-US"/>
           </a:p>
@@ -13197,7 +13204,7 @@
           <a:p>
             <a:fld id="{D80F3484-5328-47EB-98A9-5722E7FF2A99}" type="datetimeFigureOut">
               <a:rPr lang="ko-KR" altLang="en-US" smtClean="0"/>
-              <a:t>2022-11-15</a:t>
+              <a:t>2022. 11. 15.</a:t>
             </a:fld>
             <a:endParaRPr lang="ko-KR" altLang="en-US"/>
           </a:p>
@@ -13408,7 +13415,7 @@
           <a:p>
             <a:fld id="{D80F3484-5328-47EB-98A9-5722E7FF2A99}" type="datetimeFigureOut">
               <a:rPr lang="ko-KR" altLang="en-US" smtClean="0"/>
-              <a:t>2022-11-15</a:t>
+              <a:t>2022. 11. 15.</a:t>
             </a:fld>
             <a:endParaRPr lang="ko-KR" altLang="en-US"/>
           </a:p>
@@ -14442,7 +14449,7 @@
           <a:p>
             <a:fld id="{D80F3484-5328-47EB-98A9-5722E7FF2A99}" type="datetimeFigureOut">
               <a:rPr lang="ko-KR" altLang="en-US" smtClean="0"/>
-              <a:t>2022-11-15</a:t>
+              <a:t>2022. 11. 15.</a:t>
             </a:fld>
             <a:endParaRPr lang="ko-KR" altLang="en-US"/>
           </a:p>
@@ -14714,7 +14721,7 @@
           <a:p>
             <a:fld id="{D80F3484-5328-47EB-98A9-5722E7FF2A99}" type="datetimeFigureOut">
               <a:rPr lang="ko-KR" altLang="en-US" smtClean="0"/>
-              <a:t>2022-11-15</a:t>
+              <a:t>2022. 11. 15.</a:t>
             </a:fld>
             <a:endParaRPr lang="ko-KR" altLang="en-US"/>
           </a:p>
@@ -15124,7 +15131,7 @@
           <a:p>
             <a:fld id="{D80F3484-5328-47EB-98A9-5722E7FF2A99}" type="datetimeFigureOut">
               <a:rPr lang="ko-KR" altLang="en-US" smtClean="0"/>
-              <a:t>2022-11-15</a:t>
+              <a:t>2022. 11. 15.</a:t>
             </a:fld>
             <a:endParaRPr lang="ko-KR" altLang="en-US"/>
           </a:p>
@@ -15251,7 +15258,7 @@
           <a:p>
             <a:fld id="{D80F3484-5328-47EB-98A9-5722E7FF2A99}" type="datetimeFigureOut">
               <a:rPr lang="ko-KR" altLang="en-US" smtClean="0"/>
-              <a:t>2022-11-15</a:t>
+              <a:t>2022. 11. 15.</a:t>
             </a:fld>
             <a:endParaRPr lang="ko-KR" altLang="en-US"/>
           </a:p>
@@ -15346,7 +15353,7 @@
           <a:p>
             <a:fld id="{D80F3484-5328-47EB-98A9-5722E7FF2A99}" type="datetimeFigureOut">
               <a:rPr lang="ko-KR" altLang="en-US" smtClean="0"/>
-              <a:t>2022-11-15</a:t>
+              <a:t>2022. 11. 15.</a:t>
             </a:fld>
             <a:endParaRPr lang="ko-KR" altLang="en-US"/>
           </a:p>
@@ -16427,7 +16434,7 @@
           <a:p>
             <a:fld id="{D80F3484-5328-47EB-98A9-5722E7FF2A99}" type="datetimeFigureOut">
               <a:rPr lang="ko-KR" altLang="en-US" smtClean="0"/>
-              <a:t>2022-11-15</a:t>
+              <a:t>2022. 11. 15.</a:t>
             </a:fld>
             <a:endParaRPr lang="ko-KR" altLang="en-US"/>
           </a:p>
@@ -17535,7 +17542,7 @@
           <a:p>
             <a:fld id="{D80F3484-5328-47EB-98A9-5722E7FF2A99}" type="datetimeFigureOut">
               <a:rPr lang="ko-KR" altLang="en-US" smtClean="0"/>
-              <a:t>2022-11-15</a:t>
+              <a:t>2022. 11. 15.</a:t>
             </a:fld>
             <a:endParaRPr lang="ko-KR" altLang="en-US"/>
           </a:p>
@@ -18532,7 +18539,7 @@
           <a:p>
             <a:fld id="{D80F3484-5328-47EB-98A9-5722E7FF2A99}" type="datetimeFigureOut">
               <a:rPr lang="ko-KR" altLang="en-US" smtClean="0"/>
-              <a:t>2022-11-15</a:t>
+              <a:t>2022. 11. 15.</a:t>
             </a:fld>
             <a:endParaRPr lang="ko-KR" altLang="en-US"/>
           </a:p>
@@ -19205,7 +19212,7 @@
           <p:cNvPr id="2" name="제목 1">
             <a:extLst>
               <a:ext uri="{FF2B5EF4-FFF2-40B4-BE49-F238E27FC236}">
-                <a16:creationId xmlns:a16="http://schemas.microsoft.com/office/drawing/2014/main" id="{39DFCFF7-95F8-CE6C-B580-53286F68B4AF}"/>
+                <a16:creationId xmlns:a16="http://schemas.microsoft.com/office/drawing/2014/main" id="{ED0F0468-80E4-003C-7D9B-00C4A5659303}"/>
               </a:ext>
             </a:extLst>
           </p:cNvPr>
@@ -19244,7 +19251,7 @@
           <p:cNvPr id="3" name="내용 개체 틀 2">
             <a:extLst>
               <a:ext uri="{FF2B5EF4-FFF2-40B4-BE49-F238E27FC236}">
-                <a16:creationId xmlns:a16="http://schemas.microsoft.com/office/drawing/2014/main" id="{836F09D2-32D1-C0E8-EDA9-861FEEC4C129}"/>
+                <a16:creationId xmlns:a16="http://schemas.microsoft.com/office/drawing/2014/main" id="{6016FDEB-51F3-C584-8FE5-129CE4FD2D0A}"/>
               </a:ext>
             </a:extLst>
           </p:cNvPr>
@@ -19268,22 +19275,48 @@
           <a:lstStyle/>
           <a:p>
             <a:r>
-              <a:rPr lang="en-US" altLang="ko-KR" sz="1600" dirty="0"/>
-              <a:t>SVM</a:t>
-            </a:r>
-            <a:r>
-              <a:rPr lang="ko-KR" altLang="en-US" sz="1600" dirty="0"/>
-              <a:t> 회귀</a:t>
+              <a:rPr lang="ko-KR" altLang="en-US" sz="1600"/>
+              <a:t>사이킷 런에 있는 선형회귀</a:t>
+            </a:r>
+            <a:r>
+              <a:rPr lang="en-US" altLang="ko-KR" sz="1600"/>
+              <a:t>, SVM </a:t>
+            </a:r>
+            <a:r>
+              <a:rPr lang="ko-KR" altLang="en-US" sz="1600"/>
+              <a:t>회귀</a:t>
+            </a:r>
+            <a:r>
+              <a:rPr lang="en-US" altLang="ko-KR" sz="1600"/>
+              <a:t>, </a:t>
+            </a:r>
+            <a:r>
+              <a:rPr lang="ko-KR" altLang="en-US" sz="1600"/>
+              <a:t>다층신경망 회귀를 이용해서 훈련을 진행해 보았다</a:t>
+            </a:r>
+            <a:r>
+              <a:rPr lang="en-US" altLang="ko-KR" sz="1600"/>
+              <a:t>.</a:t>
+            </a:r>
+          </a:p>
+          <a:p>
+            <a:r>
+              <a:rPr lang="ko-KR" altLang="en-US" sz="1600"/>
+              <a:t>자료들의 크기나 단위가 다르기 때문에 피처 스케일링을 통해서 피처의 크기를 비슷한 수준으로 맞춰주었다</a:t>
+            </a:r>
+            <a:r>
+              <a:rPr lang="en-US" altLang="ko-KR" sz="1600"/>
+              <a:t>.</a:t>
             </a:r>
           </a:p>
         </p:txBody>
       </p:sp>
       <p:pic>
         <p:nvPicPr>
-          <p:cNvPr id="7" name="그림 6">
+          <p:cNvPr id="5" name="그림 4">
             <a:extLst>
               <a:ext uri="{FF2B5EF4-FFF2-40B4-BE49-F238E27FC236}">
-                <a16:creationId xmlns:a16="http://schemas.microsoft.com/office/drawing/2014/main" id="{4433D8CB-A581-7D89-2174-047032C5955D}"/>
+                <a16:creationId xmlns:a16="http://schemas.microsoft.com/office/drawing/2014/main" id="{895B7632-E5D5-FABE-125C-FAA3273D3703}"/>
               </a:ext>
             </a:extLst>
           </p:cNvPr>
@@ -19300,8 +19333,8 @@
         </p:blipFill>
         <p:spPr>
           <a:xfrm>
-            <a:off x="5176911" y="2775951"/>
-            <a:ext cx="5774892" cy="3067163"/>
+            <a:off x="4984956" y="3678255"/>
+            <a:ext cx="6158802" cy="1262554"/>
           </a:xfrm>
           <a:prstGeom prst="roundRect">
             <a:avLst>
@@ -19320,7 +19353,7 @@
     </p:spTree>
     <p:extLst>
       <p:ext uri="{BB962C8B-B14F-4D97-AF65-F5344CB8AC3E}">
-        <p14:creationId xmlns:p14="http://schemas.microsoft.com/office/powerpoint/2010/main" val="2392340365"/>
+        <p14:creationId xmlns:p14="http://schemas.microsoft.com/office/powerpoint/2010/main" val="2918112038"/>
       </p:ext>
     </p:extLst>
   </p:cSld>
@@ -19423,6 +19456,312 @@
           <a:lstStyle/>
           <a:p>
             <a:r>
+              <a:rPr lang="ko-KR" altLang="en-US" sz="1600"/>
+              <a:t>선형 회귀</a:t>
+            </a:r>
+          </a:p>
+        </p:txBody>
+      </p:sp>
+      <p:pic>
+        <p:nvPicPr>
+          <p:cNvPr id="7" name="그림 6">
+            <a:extLst>
+              <a:ext uri="{FF2B5EF4-FFF2-40B4-BE49-F238E27FC236}">
+                <a16:creationId xmlns:a16="http://schemas.microsoft.com/office/drawing/2014/main" id="{0491EEA1-7C70-791D-FF10-3C5530C04D04}"/>
+              </a:ext>
+            </a:extLst>
+          </p:cNvPr>
+          <p:cNvPicPr>
+            <a:picLocks noChangeAspect="1"/>
+          </p:cNvPicPr>
+          <p:nvPr/>
+        </p:nvPicPr>
+        <p:blipFill>
+          <a:blip r:embed="rId2"/>
+          <a:stretch>
+            <a:fillRect/>
+          </a:stretch>
+        </p:blipFill>
+        <p:spPr>
+          <a:xfrm>
+            <a:off x="5539685" y="2775951"/>
+            <a:ext cx="5049343" cy="3067163"/>
+          </a:xfrm>
+          <a:prstGeom prst="roundRect">
+            <a:avLst>
+              <a:gd name="adj" fmla="val 1858"/>
+            </a:avLst>
+          </a:prstGeom>
+          <a:effectLst>
+            <a:outerShdw blurRad="50800" dist="50800" dir="5400000" algn="tl" rotWithShape="0">
+              <a:srgbClr val="000000">
+                <a:alpha val="43000"/>
+              </a:srgbClr>
+            </a:outerShdw>
+          </a:effectLst>
+        </p:spPr>
+      </p:pic>
+    </p:spTree>
+    <p:extLst>
+      <p:ext uri="{BB962C8B-B14F-4D97-AF65-F5344CB8AC3E}">
+        <p14:creationId xmlns:p14="http://schemas.microsoft.com/office/powerpoint/2010/main" val="1852233533"/>
+      </p:ext>
+    </p:extLst>
+  </p:cSld>
+  <p:clrMapOvr>
+    <a:masterClrMapping/>
+  </p:clrMapOvr>
+</p:sld>
+</file>
+
+<file path=ppt/slides/slide12.xml><?xml version="1.0" encoding="utf-8"?>
+<p:sld xmlns:a="http://schemas.openxmlformats.org/drawingml/2006/main" xmlns:r="http://schemas.openxmlformats.org/officeDocument/2006/relationships" xmlns:p="http://schemas.openxmlformats.org/presentationml/2006/main">
+  <p:cSld>
+    <p:bg>
+      <p:bgPr>
+        <a:solidFill>
+          <a:schemeClr val="bg1"/>
+        </a:solidFill>
+        <a:effectLst/>
+      </p:bgPr>
+    </p:bg>
+    <p:spTree>
+      <p:nvGrpSpPr>
+        <p:cNvPr id="1" name=""/>
+        <p:cNvGrpSpPr/>
+        <p:nvPr/>
+      </p:nvGrpSpPr>
+      <p:grpSpPr>
+        <a:xfrm>
+          <a:off x="0" y="0"/>
+          <a:ext cx="0" cy="0"/>
+          <a:chOff x="0" y="0"/>
+          <a:chExt cx="0" cy="0"/>
+        </a:xfrm>
+      </p:grpSpPr>
+      <p:sp>
+        <p:nvSpPr>
+          <p:cNvPr id="2" name="제목 1">
+            <a:extLst>
+              <a:ext uri="{FF2B5EF4-FFF2-40B4-BE49-F238E27FC236}">
+                <a16:creationId xmlns:a16="http://schemas.microsoft.com/office/drawing/2014/main" id="{39DFCFF7-95F8-CE6C-B580-53286F68B4AF}"/>
+              </a:ext>
+            </a:extLst>
+          </p:cNvPr>
+          <p:cNvSpPr>
+            <a:spLocks noGrp="1"/>
+          </p:cNvSpPr>
+          <p:nvPr>
+            <p:ph type="title"/>
+          </p:nvPr>
+        </p:nvSpPr>
+        <p:spPr>
+          <a:xfrm>
+            <a:off x="1154954" y="973668"/>
+            <a:ext cx="8761413" cy="706964"/>
+          </a:xfrm>
+        </p:spPr>
+        <p:txBody>
+          <a:bodyPr>
+            <a:normAutofit/>
+          </a:bodyPr>
+          <a:lstStyle/>
+          <a:p>
+            <a:r>
+              <a:rPr lang="ko-KR" altLang="en-US">
+                <a:solidFill>
+                  <a:srgbClr val="EBEBEB"/>
+                </a:solidFill>
+              </a:rPr>
+              <a:t>훈련 및 평가</a:t>
+            </a:r>
+          </a:p>
+        </p:txBody>
+      </p:sp>
+      <p:sp>
+        <p:nvSpPr>
+          <p:cNvPr id="3" name="내용 개체 틀 2">
+            <a:extLst>
+              <a:ext uri="{FF2B5EF4-FFF2-40B4-BE49-F238E27FC236}">
+                <a16:creationId xmlns:a16="http://schemas.microsoft.com/office/drawing/2014/main" id="{836F09D2-32D1-C0E8-EDA9-861FEEC4C129}"/>
+              </a:ext>
+            </a:extLst>
+          </p:cNvPr>
+          <p:cNvSpPr>
+            <a:spLocks noGrp="1"/>
+          </p:cNvSpPr>
+          <p:nvPr>
+            <p:ph idx="1"/>
+          </p:nvPr>
+        </p:nvSpPr>
+        <p:spPr>
+          <a:xfrm>
+            <a:off x="1154955" y="2603500"/>
+            <a:ext cx="3481054" cy="3416300"/>
+          </a:xfrm>
+        </p:spPr>
+        <p:txBody>
+          <a:bodyPr anchor="ctr">
+            <a:normAutofit/>
+          </a:bodyPr>
+          <a:lstStyle/>
+          <a:p>
+            <a:r>
+              <a:rPr lang="en-US" altLang="ko-KR" sz="1600" dirty="0"/>
+              <a:t>SVM</a:t>
+            </a:r>
+            <a:r>
+              <a:rPr lang="ko-KR" altLang="en-US" sz="1600" dirty="0"/>
+              <a:t> 회귀</a:t>
+            </a:r>
+          </a:p>
+        </p:txBody>
+      </p:sp>
+      <p:pic>
+        <p:nvPicPr>
+          <p:cNvPr id="7" name="그림 6">
+            <a:extLst>
+              <a:ext uri="{FF2B5EF4-FFF2-40B4-BE49-F238E27FC236}">
+                <a16:creationId xmlns:a16="http://schemas.microsoft.com/office/drawing/2014/main" id="{4433D8CB-A581-7D89-2174-047032C5955D}"/>
+              </a:ext>
+            </a:extLst>
+          </p:cNvPr>
+          <p:cNvPicPr>
+            <a:picLocks noChangeAspect="1"/>
+          </p:cNvPicPr>
+          <p:nvPr/>
+        </p:nvPicPr>
+        <p:blipFill>
+          <a:blip r:embed="rId2"/>
+          <a:stretch>
+            <a:fillRect/>
+          </a:stretch>
+        </p:blipFill>
+        <p:spPr>
+          <a:xfrm>
+            <a:off x="5176911" y="2775951"/>
+            <a:ext cx="5774892" cy="3067163"/>
+          </a:xfrm>
+          <a:prstGeom prst="roundRect">
+            <a:avLst>
+              <a:gd name="adj" fmla="val 1858"/>
+            </a:avLst>
+          </a:prstGeom>
+          <a:effectLst>
+            <a:outerShdw blurRad="50800" dist="50800" dir="5400000" algn="tl" rotWithShape="0">
+              <a:srgbClr val="000000">
+                <a:alpha val="43000"/>
+              </a:srgbClr>
+            </a:outerShdw>
+          </a:effectLst>
+        </p:spPr>
+      </p:pic>
+    </p:spTree>
+    <p:extLst>
+      <p:ext uri="{BB962C8B-B14F-4D97-AF65-F5344CB8AC3E}">
+        <p14:creationId xmlns:p14="http://schemas.microsoft.com/office/powerpoint/2010/main" val="2392340365"/>
+      </p:ext>
+    </p:extLst>
+  </p:cSld>
+  <p:clrMapOvr>
+    <a:masterClrMapping/>
+  </p:clrMapOvr>
+</p:sld>
+</file>
+
+<file path=ppt/slides/slide13.xml><?xml version="1.0" encoding="utf-8"?>
+<p:sld xmlns:a="http://schemas.openxmlformats.org/drawingml/2006/main" xmlns:r="http://schemas.openxmlformats.org/officeDocument/2006/relationships" xmlns:p="http://schemas.openxmlformats.org/presentationml/2006/main">
+  <p:cSld>
+    <p:bg>
+      <p:bgPr>
+        <a:solidFill>
+          <a:schemeClr val="bg1"/>
+        </a:solidFill>
+        <a:effectLst/>
+      </p:bgPr>
+    </p:bg>
+    <p:spTree>
+      <p:nvGrpSpPr>
+        <p:cNvPr id="1" name=""/>
+        <p:cNvGrpSpPr/>
+        <p:nvPr/>
+      </p:nvGrpSpPr>
+      <p:grpSpPr>
+        <a:xfrm>
+          <a:off x="0" y="0"/>
+          <a:ext cx="0" cy="0"/>
+          <a:chOff x="0" y="0"/>
+          <a:chExt cx="0" cy="0"/>
+        </a:xfrm>
+      </p:grpSpPr>
+      <p:sp>
+        <p:nvSpPr>
+          <p:cNvPr id="2" name="제목 1">
+            <a:extLst>
+              <a:ext uri="{FF2B5EF4-FFF2-40B4-BE49-F238E27FC236}">
+                <a16:creationId xmlns:a16="http://schemas.microsoft.com/office/drawing/2014/main" id="{39DFCFF7-95F8-CE6C-B580-53286F68B4AF}"/>
+              </a:ext>
+            </a:extLst>
+          </p:cNvPr>
+          <p:cNvSpPr>
+            <a:spLocks noGrp="1"/>
+          </p:cNvSpPr>
+          <p:nvPr>
+            <p:ph type="title"/>
+          </p:nvPr>
+        </p:nvSpPr>
+        <p:spPr>
+          <a:xfrm>
+            <a:off x="1154954" y="973668"/>
+            <a:ext cx="8761413" cy="706964"/>
+          </a:xfrm>
+        </p:spPr>
+        <p:txBody>
+          <a:bodyPr>
+            <a:normAutofit/>
+          </a:bodyPr>
+          <a:lstStyle/>
+          <a:p>
+            <a:r>
+              <a:rPr lang="ko-KR" altLang="en-US">
+                <a:solidFill>
+                  <a:srgbClr val="EBEBEB"/>
+                </a:solidFill>
+              </a:rPr>
+              <a:t>훈련 및 평가</a:t>
+            </a:r>
+          </a:p>
+        </p:txBody>
+      </p:sp>
+      <p:sp>
+        <p:nvSpPr>
+          <p:cNvPr id="3" name="내용 개체 틀 2">
+            <a:extLst>
+              <a:ext uri="{FF2B5EF4-FFF2-40B4-BE49-F238E27FC236}">
+                <a16:creationId xmlns:a16="http://schemas.microsoft.com/office/drawing/2014/main" id="{836F09D2-32D1-C0E8-EDA9-861FEEC4C129}"/>
+              </a:ext>
+            </a:extLst>
+          </p:cNvPr>
+          <p:cNvSpPr>
+            <a:spLocks noGrp="1"/>
+          </p:cNvSpPr>
+          <p:nvPr>
+            <p:ph idx="1"/>
+          </p:nvPr>
+        </p:nvSpPr>
+        <p:spPr>
+          <a:xfrm>
+            <a:off x="1154955" y="2603500"/>
+            <a:ext cx="3481054" cy="3416300"/>
+          </a:xfrm>
+        </p:spPr>
+        <p:txBody>
+          <a:bodyPr anchor="ctr">
+            <a:normAutofit/>
+          </a:bodyPr>
+          <a:lstStyle/>
+          <a:p>
+            <a:r>
               <a:rPr lang="en-US" altLang="ko-KR" sz="1600"/>
               <a:t>MLP</a:t>
             </a:r>
@@ -19485,7 +19824,7 @@
 </p:sld>
 </file>
 
-<file path=ppt/slides/slide12.xml><?xml version="1.0" encoding="utf-8"?>
+<file path=ppt/slides/slide14.xml><?xml version="1.0" encoding="utf-8"?>
 <p:sld xmlns:a="http://schemas.openxmlformats.org/drawingml/2006/main" xmlns:r="http://schemas.openxmlformats.org/officeDocument/2006/relationships" xmlns:p="http://schemas.openxmlformats.org/presentationml/2006/main">
   <p:cSld>
     <p:spTree>
@@ -19726,7 +20065,7 @@
 </p:sld>
 </file>
 
-<file path=ppt/slides/slide13.xml><?xml version="1.0" encoding="utf-8"?>
+<file path=ppt/slides/slide15.xml><?xml version="1.0" encoding="utf-8"?>
 <p:sld xmlns:a="http://schemas.openxmlformats.org/drawingml/2006/main" xmlns:r="http://schemas.openxmlformats.org/officeDocument/2006/relationships" xmlns:p="http://schemas.openxmlformats.org/presentationml/2006/main">
   <p:cSld>
     <p:spTree>
@@ -21630,6 +21969,388 @@
           <p:cNvPr id="2" name="제목 1">
             <a:extLst>
               <a:ext uri="{FF2B5EF4-FFF2-40B4-BE49-F238E27FC236}">
+                <a16:creationId xmlns:a16="http://schemas.microsoft.com/office/drawing/2014/main" id="{8F2F89AE-110A-6D13-251F-77896197B9FD}"/>
+              </a:ext>
+            </a:extLst>
+          </p:cNvPr>
+          <p:cNvSpPr>
+            <a:spLocks noGrp="1"/>
+          </p:cNvSpPr>
+          <p:nvPr>
+            <p:ph type="title"/>
+          </p:nvPr>
+        </p:nvSpPr>
+        <p:spPr>
+          <a:xfrm>
+            <a:off x="1683171" y="1169773"/>
+            <a:ext cx="8825658" cy="2870161"/>
+          </a:xfrm>
+        </p:spPr>
+        <p:txBody>
+          <a:bodyPr vert="horz" lIns="91440" tIns="45720" rIns="91440" bIns="45720" rtlCol="0" anchor="b">
+            <a:normAutofit/>
+          </a:bodyPr>
+          <a:lstStyle/>
+          <a:p>
+            <a:pPr algn="ctr" latinLnBrk="0"/>
+            <a:r>
+              <a:rPr lang="ko-KR" altLang="en-US" sz="5400" dirty="0">
+                <a:solidFill>
+                  <a:schemeClr val="tx1"/>
+                </a:solidFill>
+              </a:rPr>
+              <a:t>사용 컬럼</a:t>
+            </a:r>
+            <a:endParaRPr lang="en-US" altLang="ko-KR" sz="5400" dirty="0">
+              <a:solidFill>
+                <a:schemeClr val="tx1"/>
+              </a:solidFill>
+            </a:endParaRPr>
+          </a:p>
+        </p:txBody>
+      </p:sp>
+    </p:spTree>
+    <p:extLst>
+      <p:ext uri="{BB962C8B-B14F-4D97-AF65-F5344CB8AC3E}">
+        <p14:creationId xmlns:p14="http://schemas.microsoft.com/office/powerpoint/2010/main" val="3002799355"/>
+      </p:ext>
+    </p:extLst>
+  </p:cSld>
+  <p:clrMapOvr>
+    <a:masterClrMapping/>
+  </p:clrMapOvr>
+</p:sld>
+</file>
+
+<file path=ppt/slides/slide7.xml><?xml version="1.0" encoding="utf-8"?>
+<p:sld xmlns:a="http://schemas.openxmlformats.org/drawingml/2006/main" xmlns:r="http://schemas.openxmlformats.org/officeDocument/2006/relationships" xmlns:p="http://schemas.openxmlformats.org/presentationml/2006/main">
+  <p:cSld>
+    <p:spTree>
+      <p:nvGrpSpPr>
+        <p:cNvPr id="1" name=""/>
+        <p:cNvGrpSpPr/>
+        <p:nvPr/>
+      </p:nvGrpSpPr>
+      <p:grpSpPr>
+        <a:xfrm>
+          <a:off x="0" y="0"/>
+          <a:ext cx="0" cy="0"/>
+          <a:chOff x="0" y="0"/>
+          <a:chExt cx="0" cy="0"/>
+        </a:xfrm>
+      </p:grpSpPr>
+      <p:sp>
+        <p:nvSpPr>
+          <p:cNvPr id="2" name="제목 1">
+            <a:extLst>
+              <a:ext uri="{FF2B5EF4-FFF2-40B4-BE49-F238E27FC236}">
+                <a16:creationId xmlns:a16="http://schemas.microsoft.com/office/drawing/2014/main" id="{934217FC-9475-B643-9C9D-14346B69F033}"/>
+              </a:ext>
+            </a:extLst>
+          </p:cNvPr>
+          <p:cNvSpPr>
+            <a:spLocks noGrp="1"/>
+          </p:cNvSpPr>
+          <p:nvPr>
+            <p:ph type="title"/>
+          </p:nvPr>
+        </p:nvSpPr>
+        <p:spPr/>
+        <p:txBody>
+          <a:bodyPr/>
+          <a:lstStyle/>
+          <a:p>
+            <a:r>
+              <a:rPr lang="ko-KR" altLang="en-US" dirty="0"/>
+              <a:t>사용 컬럼</a:t>
+            </a:r>
+          </a:p>
+        </p:txBody>
+      </p:sp>
+      <p:sp>
+        <p:nvSpPr>
+          <p:cNvPr id="7" name="Content Placeholder 6">
+            <a:extLst>
+              <a:ext uri="{FF2B5EF4-FFF2-40B4-BE49-F238E27FC236}">
+                <a16:creationId xmlns:a16="http://schemas.microsoft.com/office/drawing/2014/main" id="{319A4EA0-41B0-3525-E866-34798DF4BC34}"/>
+              </a:ext>
+            </a:extLst>
+          </p:cNvPr>
+          <p:cNvSpPr>
+            <a:spLocks noGrp="1"/>
+          </p:cNvSpPr>
+          <p:nvPr>
+            <p:ph idx="1"/>
+          </p:nvPr>
+        </p:nvSpPr>
+        <p:spPr/>
+        <p:txBody>
+          <a:bodyPr/>
+          <a:lstStyle/>
+          <a:p>
+            <a:pPr marL="0" indent="0">
+              <a:buNone/>
+            </a:pPr>
+            <a:r>
+              <a:rPr lang="ko-KR" altLang="en-US" dirty="0" err="1"/>
+              <a:t>전체포집량</a:t>
+            </a:r>
+            <a:r>
+              <a:rPr lang="en-US" altLang="ko-KR" dirty="0"/>
+              <a:t>,</a:t>
+            </a:r>
+            <a:r>
+              <a:rPr lang="ko-KR" altLang="en-US" dirty="0"/>
+              <a:t> </a:t>
+            </a:r>
+            <a:r>
+              <a:rPr lang="ko-KR" altLang="en-US" dirty="0" err="1"/>
+              <a:t>모기포집량</a:t>
+            </a:r>
+            <a:r>
+              <a:rPr lang="en-US" altLang="ko-KR" dirty="0"/>
+              <a:t>,</a:t>
+            </a:r>
+            <a:r>
+              <a:rPr lang="ko-KR" altLang="en-US" dirty="0"/>
+              <a:t> </a:t>
+            </a:r>
+            <a:r>
+              <a:rPr lang="ko-KR" altLang="en-US" dirty="0" err="1"/>
+              <a:t>기타포집량</a:t>
+            </a:r>
+            <a:r>
+              <a:rPr lang="en-US" altLang="ko-KR" dirty="0"/>
+              <a:t>,</a:t>
+            </a:r>
+            <a:r>
+              <a:rPr lang="ko-KR" altLang="en-US" dirty="0"/>
+              <a:t> 평균기온</a:t>
+            </a:r>
+            <a:r>
+              <a:rPr lang="en-US" altLang="ko-KR" dirty="0"/>
+              <a:t>,</a:t>
+            </a:r>
+            <a:r>
+              <a:rPr lang="ko-KR" altLang="en-US" dirty="0"/>
+              <a:t> 최고기온</a:t>
+            </a:r>
+            <a:r>
+              <a:rPr lang="en-US" altLang="ko-KR" dirty="0"/>
+              <a:t>,</a:t>
+            </a:r>
+            <a:r>
+              <a:rPr lang="ko-KR" altLang="en-US" dirty="0"/>
+              <a:t>최고기온시각</a:t>
+            </a:r>
+            <a:r>
+              <a:rPr lang="en-US" altLang="ko-KR" dirty="0"/>
+              <a:t>,</a:t>
+            </a:r>
+            <a:r>
+              <a:rPr lang="ko-KR" altLang="en-US" dirty="0"/>
+              <a:t> 최저기온</a:t>
+            </a:r>
+            <a:r>
+              <a:rPr lang="en-US" altLang="ko-KR" dirty="0"/>
+              <a:t>,</a:t>
+            </a:r>
+            <a:r>
+              <a:rPr lang="ko-KR" altLang="en-US" dirty="0"/>
+              <a:t>  최저기온시각</a:t>
+            </a:r>
+            <a:r>
+              <a:rPr lang="en-US" altLang="ko-KR" dirty="0"/>
+              <a:t>,</a:t>
+            </a:r>
+            <a:r>
+              <a:rPr lang="ko-KR" altLang="en-US" dirty="0"/>
+              <a:t> 강수량</a:t>
+            </a:r>
+            <a:r>
+              <a:rPr lang="en-US" altLang="ko-KR" dirty="0"/>
+              <a:t>,</a:t>
+            </a:r>
+            <a:r>
+              <a:rPr lang="ko-KR" altLang="en-US" dirty="0"/>
+              <a:t> </a:t>
+            </a:r>
+            <a:r>
+              <a:rPr lang="en-US" altLang="ko-KR" dirty="0"/>
+              <a:t>1</a:t>
+            </a:r>
+            <a:r>
+              <a:rPr lang="ko-KR" altLang="en-US" dirty="0" err="1"/>
+              <a:t>시간최다강수량</a:t>
+            </a:r>
+            <a:r>
+              <a:rPr lang="en-US" altLang="ko-KR" dirty="0"/>
+              <a:t>,</a:t>
+            </a:r>
+            <a:r>
+              <a:rPr lang="ko-KR" altLang="en-US" dirty="0"/>
+              <a:t> </a:t>
+            </a:r>
+            <a:r>
+              <a:rPr lang="en-US" altLang="ko-KR" dirty="0"/>
+              <a:t>1</a:t>
+            </a:r>
+            <a:r>
+              <a:rPr lang="ko-KR" altLang="en-US" dirty="0" err="1"/>
+              <a:t>시간최다강수량시각</a:t>
+            </a:r>
+            <a:r>
+              <a:rPr lang="en-US" altLang="ko-KR" dirty="0"/>
+              <a:t>,</a:t>
+            </a:r>
+            <a:r>
+              <a:rPr lang="ko-KR" altLang="en-US" dirty="0"/>
+              <a:t> 평균습도</a:t>
+            </a:r>
+            <a:r>
+              <a:rPr lang="en-US" altLang="ko-KR" dirty="0"/>
+              <a:t>,</a:t>
+            </a:r>
+            <a:r>
+              <a:rPr lang="ko-KR" altLang="en-US" dirty="0"/>
+              <a:t> 최저습도</a:t>
+            </a:r>
+          </a:p>
+          <a:p>
+            <a:endParaRPr lang="ko-KR" altLang="en-US" dirty="0"/>
+          </a:p>
+          <a:p>
+            <a:r>
+              <a:rPr lang="en-US" altLang="ko-KR" dirty="0"/>
+              <a:t>2801,</a:t>
+            </a:r>
+            <a:r>
+              <a:rPr lang="ko-KR" altLang="en-US" dirty="0"/>
+              <a:t> </a:t>
+            </a:r>
+            <a:r>
+              <a:rPr lang="en-US" altLang="ko-KR" dirty="0"/>
+              <a:t>2783,</a:t>
+            </a:r>
+            <a:r>
+              <a:rPr lang="ko-KR" altLang="en-US" dirty="0"/>
+              <a:t> </a:t>
+            </a:r>
+            <a:r>
+              <a:rPr lang="en-US" altLang="ko-KR" dirty="0"/>
+              <a:t>18,</a:t>
+            </a:r>
+            <a:r>
+              <a:rPr lang="ko-KR" altLang="en-US" dirty="0"/>
+              <a:t> </a:t>
+            </a:r>
+            <a:r>
+              <a:rPr lang="en-US" altLang="ko-KR" dirty="0"/>
+              <a:t>21,</a:t>
+            </a:r>
+            <a:r>
+              <a:rPr lang="ko-KR" altLang="en-US" dirty="0"/>
+              <a:t> </a:t>
+            </a:r>
+            <a:r>
+              <a:rPr lang="en-US" altLang="ko-KR" dirty="0"/>
+              <a:t>27.2,</a:t>
+            </a:r>
+            <a:r>
+              <a:rPr lang="ko-KR" altLang="en-US" dirty="0"/>
+              <a:t> </a:t>
+            </a:r>
+            <a:r>
+              <a:rPr lang="en-US" altLang="ko-KR" dirty="0"/>
+              <a:t>15:09,</a:t>
+            </a:r>
+            <a:r>
+              <a:rPr lang="ko-KR" altLang="en-US" dirty="0"/>
+              <a:t> </a:t>
+            </a:r>
+            <a:r>
+              <a:rPr lang="en-US" altLang="ko-KR" dirty="0"/>
+              <a:t>15.9,</a:t>
+            </a:r>
+            <a:r>
+              <a:rPr lang="ko-KR" altLang="en-US" dirty="0"/>
+              <a:t> </a:t>
+            </a:r>
+            <a:r>
+              <a:rPr lang="en-US" altLang="ko-KR" dirty="0"/>
+              <a:t>5:48,</a:t>
+            </a:r>
+            <a:r>
+              <a:rPr lang="ko-KR" altLang="en-US" dirty="0"/>
+              <a:t> </a:t>
+            </a:r>
+            <a:r>
+              <a:rPr lang="en-US" altLang="ko-KR" dirty="0"/>
+              <a:t>0,</a:t>
+            </a:r>
+            <a:r>
+              <a:rPr lang="ko-KR" altLang="en-US" dirty="0"/>
+              <a:t> </a:t>
+            </a:r>
+            <a:r>
+              <a:rPr lang="en-US" altLang="ko-KR" dirty="0"/>
+              <a:t>0,</a:t>
+            </a:r>
+            <a:r>
+              <a:rPr lang="ko-KR" altLang="en-US" dirty="0"/>
+              <a:t> </a:t>
+            </a:r>
+            <a:r>
+              <a:rPr lang="en-US" altLang="ko-KR" dirty="0"/>
+              <a:t>,58.8,</a:t>
+            </a:r>
+            <a:r>
+              <a:rPr lang="ko-KR" altLang="en-US" dirty="0"/>
+              <a:t> </a:t>
+            </a:r>
+            <a:r>
+              <a:rPr lang="en-US" altLang="ko-KR" dirty="0"/>
+              <a:t>41</a:t>
+            </a:r>
+            <a:endParaRPr lang="en-KR" dirty="0"/>
+          </a:p>
+        </p:txBody>
+      </p:sp>
+    </p:spTree>
+    <p:extLst>
+      <p:ext uri="{BB962C8B-B14F-4D97-AF65-F5344CB8AC3E}">
+        <p14:creationId xmlns:p14="http://schemas.microsoft.com/office/powerpoint/2010/main" val="1129902943"/>
+      </p:ext>
+    </p:extLst>
+  </p:cSld>
+  <p:clrMapOvr>
+    <a:masterClrMapping/>
+  </p:clrMapOvr>
+</p:sld>
+</file>
+
+<file path=ppt/slides/slide8.xml><?xml version="1.0" encoding="utf-8"?>
+<p:sld xmlns:a="http://schemas.openxmlformats.org/drawingml/2006/main" xmlns:r="http://schemas.openxmlformats.org/officeDocument/2006/relationships" xmlns:p="http://schemas.openxmlformats.org/presentationml/2006/main">
+  <p:cSld>
+    <p:spTree>
+      <p:nvGrpSpPr>
+        <p:cNvPr id="1" name=""/>
+        <p:cNvGrpSpPr/>
+        <p:nvPr/>
+      </p:nvGrpSpPr>
+      <p:grpSpPr>
+        <a:xfrm>
+          <a:off x="0" y="0"/>
+          <a:ext cx="0" cy="0"/>
+          <a:chOff x="0" y="0"/>
+          <a:chExt cx="0" cy="0"/>
+        </a:xfrm>
+      </p:grpSpPr>
+      <p:sp>
+        <p:nvSpPr>
+          <p:cNvPr id="2" name="제목 1">
+            <a:extLst>
+              <a:ext uri="{FF2B5EF4-FFF2-40B4-BE49-F238E27FC236}">
                 <a16:creationId xmlns:a16="http://schemas.microsoft.com/office/drawing/2014/main" id="{9DBD20EB-A3AC-C147-A94A-86A4549E4DC1}"/>
               </a:ext>
             </a:extLst>
@@ -21693,7 +22414,7 @@
 </p:sld>
 </file>
 
-<file path=ppt/slides/slide7.xml><?xml version="1.0" encoding="utf-8"?>
+<file path=ppt/slides/slide9.xml><?xml version="1.0" encoding="utf-8"?>
 <p:sld xmlns:a="http://schemas.openxmlformats.org/drawingml/2006/main" xmlns:r="http://schemas.openxmlformats.org/officeDocument/2006/relationships" xmlns:p="http://schemas.openxmlformats.org/presentationml/2006/main">
   <p:cSld>
     <p:bg>
@@ -22229,338 +22950,6 @@
   </p:cSld>
   <p:clrMapOvr>
     <a:overrideClrMapping bg1="dk1" tx1="lt1" bg2="dk2" tx2="lt2" accent1="accent1" accent2="accent2" accent3="accent3" accent4="accent4" accent5="accent5" accent6="accent6" hlink="hlink" folHlink="folHlink"/>
-  </p:clrMapOvr>
-</p:sld>
-</file>
-
-<file path=ppt/slides/slide8.xml><?xml version="1.0" encoding="utf-8"?>
-<p:sld xmlns:a="http://schemas.openxmlformats.org/drawingml/2006/main" xmlns:r="http://schemas.openxmlformats.org/officeDocument/2006/relationships" xmlns:p="http://schemas.openxmlformats.org/presentationml/2006/main">
-  <p:cSld>
-    <p:bg>
-      <p:bgPr>
-        <a:solidFill>
-          <a:schemeClr val="bg1"/>
-        </a:solidFill>
-        <a:effectLst/>
-      </p:bgPr>
-    </p:bg>
-    <p:spTree>
-      <p:nvGrpSpPr>
-        <p:cNvPr id="1" name=""/>
-        <p:cNvGrpSpPr/>
-        <p:nvPr/>
-      </p:nvGrpSpPr>
-      <p:grpSpPr>
-        <a:xfrm>
-          <a:off x="0" y="0"/>
-          <a:ext cx="0" cy="0"/>
-          <a:chOff x="0" y="0"/>
-          <a:chExt cx="0" cy="0"/>
-        </a:xfrm>
-      </p:grpSpPr>
-      <p:sp>
-        <p:nvSpPr>
-          <p:cNvPr id="2" name="제목 1">
-            <a:extLst>
-              <a:ext uri="{FF2B5EF4-FFF2-40B4-BE49-F238E27FC236}">
-                <a16:creationId xmlns:a16="http://schemas.microsoft.com/office/drawing/2014/main" id="{ED0F0468-80E4-003C-7D9B-00C4A5659303}"/>
-              </a:ext>
-            </a:extLst>
-          </p:cNvPr>
-          <p:cNvSpPr>
-            <a:spLocks noGrp="1"/>
-          </p:cNvSpPr>
-          <p:nvPr>
-            <p:ph type="title"/>
-          </p:nvPr>
-        </p:nvSpPr>
-        <p:spPr>
-          <a:xfrm>
-            <a:off x="1154954" y="973668"/>
-            <a:ext cx="8761413" cy="706964"/>
-          </a:xfrm>
-        </p:spPr>
-        <p:txBody>
-          <a:bodyPr>
-            <a:normAutofit/>
-          </a:bodyPr>
-          <a:lstStyle/>
-          <a:p>
-            <a:r>
-              <a:rPr lang="ko-KR" altLang="en-US">
-                <a:solidFill>
-                  <a:srgbClr val="EBEBEB"/>
-                </a:solidFill>
-              </a:rPr>
-              <a:t>훈련 및 평가</a:t>
-            </a:r>
-          </a:p>
-        </p:txBody>
-      </p:sp>
-      <p:sp>
-        <p:nvSpPr>
-          <p:cNvPr id="3" name="내용 개체 틀 2">
-            <a:extLst>
-              <a:ext uri="{FF2B5EF4-FFF2-40B4-BE49-F238E27FC236}">
-                <a16:creationId xmlns:a16="http://schemas.microsoft.com/office/drawing/2014/main" id="{6016FDEB-51F3-C584-8FE5-129CE4FD2D0A}"/>
-              </a:ext>
-            </a:extLst>
-          </p:cNvPr>
-          <p:cNvSpPr>
-            <a:spLocks noGrp="1"/>
-          </p:cNvSpPr>
-          <p:nvPr>
-            <p:ph idx="1"/>
-          </p:nvPr>
-        </p:nvSpPr>
-        <p:spPr>
-          <a:xfrm>
-            <a:off x="1154955" y="2603500"/>
-            <a:ext cx="3481054" cy="3416300"/>
-          </a:xfrm>
-        </p:spPr>
-        <p:txBody>
-          <a:bodyPr anchor="ctr">
-            <a:normAutofit/>
-          </a:bodyPr>
-          <a:lstStyle/>
-          <a:p>
-            <a:r>
-              <a:rPr lang="ko-KR" altLang="en-US" sz="1600"/>
-              <a:t>사이킷 런에 있는 선형회귀</a:t>
-            </a:r>
-            <a:r>
-              <a:rPr lang="en-US" altLang="ko-KR" sz="1600"/>
-              <a:t>, SVM </a:t>
-            </a:r>
-            <a:r>
-              <a:rPr lang="ko-KR" altLang="en-US" sz="1600"/>
-              <a:t>회귀</a:t>
-            </a:r>
-            <a:r>
-              <a:rPr lang="en-US" altLang="ko-KR" sz="1600"/>
-              <a:t>, </a:t>
-            </a:r>
-            <a:r>
-              <a:rPr lang="ko-KR" altLang="en-US" sz="1600"/>
-              <a:t>다층신경망 회귀를 이용해서 훈련을 진행해 보았다</a:t>
-            </a:r>
-            <a:r>
-              <a:rPr lang="en-US" altLang="ko-KR" sz="1600"/>
-              <a:t>.</a:t>
-            </a:r>
-          </a:p>
-          <a:p>
-            <a:r>
-              <a:rPr lang="ko-KR" altLang="en-US" sz="1600"/>
-              <a:t>자료들의 크기나 단위가 다르기 때문에 피처 스케일링을 통해서 피처의 크기를 비슷한 수준으로 맞춰주었다</a:t>
-            </a:r>
-            <a:r>
-              <a:rPr lang="en-US" altLang="ko-KR" sz="1600"/>
-              <a:t>.</a:t>
-            </a:r>
-          </a:p>
-        </p:txBody>
-      </p:sp>
-      <p:pic>
-        <p:nvPicPr>
-          <p:cNvPr id="5" name="그림 4">
-            <a:extLst>
-              <a:ext uri="{FF2B5EF4-FFF2-40B4-BE49-F238E27FC236}">
-                <a16:creationId xmlns:a16="http://schemas.microsoft.com/office/drawing/2014/main" id="{895B7632-E5D5-FABE-125C-FAA3273D3703}"/>
-              </a:ext>
-            </a:extLst>
-          </p:cNvPr>
-          <p:cNvPicPr>
-            <a:picLocks noChangeAspect="1"/>
-          </p:cNvPicPr>
-          <p:nvPr/>
-        </p:nvPicPr>
-        <p:blipFill>
-          <a:blip r:embed="rId2"/>
-          <a:stretch>
-            <a:fillRect/>
-          </a:stretch>
-        </p:blipFill>
-        <p:spPr>
-          <a:xfrm>
-            <a:off x="4984956" y="3678255"/>
-            <a:ext cx="6158802" cy="1262554"/>
-          </a:xfrm>
-          <a:prstGeom prst="roundRect">
-            <a:avLst>
-              <a:gd name="adj" fmla="val 1858"/>
-            </a:avLst>
-          </a:prstGeom>
-          <a:effectLst>
-            <a:outerShdw blurRad="50800" dist="50800" dir="5400000" algn="tl" rotWithShape="0">
-              <a:srgbClr val="000000">
-                <a:alpha val="43000"/>
-              </a:srgbClr>
-            </a:outerShdw>
-          </a:effectLst>
-        </p:spPr>
-      </p:pic>
-    </p:spTree>
-    <p:extLst>
-      <p:ext uri="{BB962C8B-B14F-4D97-AF65-F5344CB8AC3E}">
-        <p14:creationId xmlns:p14="http://schemas.microsoft.com/office/powerpoint/2010/main" val="2918112038"/>
-      </p:ext>
-    </p:extLst>
-  </p:cSld>
-  <p:clrMapOvr>
-    <a:masterClrMapping/>
-  </p:clrMapOvr>
-</p:sld>
-</file>
-
-<file path=ppt/slides/slide9.xml><?xml version="1.0" encoding="utf-8"?>
-<p:sld xmlns:a="http://schemas.openxmlformats.org/drawingml/2006/main" xmlns:r="http://schemas.openxmlformats.org/officeDocument/2006/relationships" xmlns:p="http://schemas.openxmlformats.org/presentationml/2006/main">
-  <p:cSld>
-    <p:bg>
-      <p:bgPr>
-        <a:solidFill>
-          <a:schemeClr val="bg1"/>
-        </a:solidFill>
-        <a:effectLst/>
-      </p:bgPr>
-    </p:bg>
-    <p:spTree>
-      <p:nvGrpSpPr>
-        <p:cNvPr id="1" name=""/>
-        <p:cNvGrpSpPr/>
-        <p:nvPr/>
-      </p:nvGrpSpPr>
-      <p:grpSpPr>
-        <a:xfrm>
-          <a:off x="0" y="0"/>
-          <a:ext cx="0" cy="0"/>
-          <a:chOff x="0" y="0"/>
-          <a:chExt cx="0" cy="0"/>
-        </a:xfrm>
-      </p:grpSpPr>
-      <p:sp>
-        <p:nvSpPr>
-          <p:cNvPr id="2" name="제목 1">
-            <a:extLst>
-              <a:ext uri="{FF2B5EF4-FFF2-40B4-BE49-F238E27FC236}">
-                <a16:creationId xmlns:a16="http://schemas.microsoft.com/office/drawing/2014/main" id="{39DFCFF7-95F8-CE6C-B580-53286F68B4AF}"/>
-              </a:ext>
-            </a:extLst>
-          </p:cNvPr>
-          <p:cNvSpPr>
-            <a:spLocks noGrp="1"/>
-          </p:cNvSpPr>
-          <p:nvPr>
-            <p:ph type="title"/>
-          </p:nvPr>
-        </p:nvSpPr>
-        <p:spPr>
-          <a:xfrm>
-            <a:off x="1154954" y="973668"/>
-            <a:ext cx="8761413" cy="706964"/>
-          </a:xfrm>
-        </p:spPr>
-        <p:txBody>
-          <a:bodyPr>
-            <a:normAutofit/>
-          </a:bodyPr>
-          <a:lstStyle/>
-          <a:p>
-            <a:r>
-              <a:rPr lang="ko-KR" altLang="en-US">
-                <a:solidFill>
-                  <a:srgbClr val="EBEBEB"/>
-                </a:solidFill>
-              </a:rPr>
-              <a:t>훈련 및 평가</a:t>
-            </a:r>
-          </a:p>
-        </p:txBody>
-      </p:sp>
-      <p:sp>
-        <p:nvSpPr>
-          <p:cNvPr id="3" name="내용 개체 틀 2">
-            <a:extLst>
-              <a:ext uri="{FF2B5EF4-FFF2-40B4-BE49-F238E27FC236}">
-                <a16:creationId xmlns:a16="http://schemas.microsoft.com/office/drawing/2014/main" id="{836F09D2-32D1-C0E8-EDA9-861FEEC4C129}"/>
-              </a:ext>
-            </a:extLst>
-          </p:cNvPr>
-          <p:cNvSpPr>
-            <a:spLocks noGrp="1"/>
-          </p:cNvSpPr>
-          <p:nvPr>
-            <p:ph idx="1"/>
-          </p:nvPr>
-        </p:nvSpPr>
-        <p:spPr>
-          <a:xfrm>
-            <a:off x="1154955" y="2603500"/>
-            <a:ext cx="3481054" cy="3416300"/>
-          </a:xfrm>
-        </p:spPr>
-        <p:txBody>
-          <a:bodyPr anchor="ctr">
-            <a:normAutofit/>
-          </a:bodyPr>
-          <a:lstStyle/>
-          <a:p>
-            <a:r>
-              <a:rPr lang="ko-KR" altLang="en-US" sz="1600"/>
-              <a:t>선형 회귀</a:t>
-            </a:r>
-          </a:p>
-        </p:txBody>
-      </p:sp>
-      <p:pic>
-        <p:nvPicPr>
-          <p:cNvPr id="7" name="그림 6">
-            <a:extLst>
-              <a:ext uri="{FF2B5EF4-FFF2-40B4-BE49-F238E27FC236}">
-                <a16:creationId xmlns:a16="http://schemas.microsoft.com/office/drawing/2014/main" id="{0491EEA1-7C70-791D-FF10-3C5530C04D04}"/>
-              </a:ext>
-            </a:extLst>
-          </p:cNvPr>
-          <p:cNvPicPr>
-            <a:picLocks noChangeAspect="1"/>
-          </p:cNvPicPr>
-          <p:nvPr/>
-        </p:nvPicPr>
-        <p:blipFill>
-          <a:blip r:embed="rId2"/>
-          <a:stretch>
-            <a:fillRect/>
-          </a:stretch>
-        </p:blipFill>
-        <p:spPr>
-          <a:xfrm>
-            <a:off x="5539685" y="2775951"/>
-            <a:ext cx="5049343" cy="3067163"/>
-          </a:xfrm>
-          <a:prstGeom prst="roundRect">
-            <a:avLst>
-              <a:gd name="adj" fmla="val 1858"/>
-            </a:avLst>
-          </a:prstGeom>
-          <a:effectLst>
-            <a:outerShdw blurRad="50800" dist="50800" dir="5400000" algn="tl" rotWithShape="0">
-              <a:srgbClr val="000000">
-                <a:alpha val="43000"/>
-              </a:srgbClr>
-            </a:outerShdw>
-          </a:effectLst>
-        </p:spPr>
-      </p:pic>
-    </p:spTree>
-    <p:extLst>
-      <p:ext uri="{BB962C8B-B14F-4D97-AF65-F5344CB8AC3E}">
-        <p14:creationId xmlns:p14="http://schemas.microsoft.com/office/powerpoint/2010/main" val="1852233533"/>
-      </p:ext>
-    </p:extLst>
-  </p:cSld>
-  <p:clrMapOvr>
-    <a:masterClrMapping/>
   </p:clrMapOvr>
 </p:sld>
 </file>
